--- a/8주차/발표자료/코드 리뷰 자료/유의진/DFS BFS 문제풀이 유의진.pptx
+++ b/8주차/발표자료/코드 리뷰 자료/유의진/DFS BFS 문제풀이 유의진.pptx
@@ -3630,15 +3630,22 @@
               <a:buNone/>
             </a:pPr>
             <a:r>
-              <a:rPr lang="ko-KR" altLang="en-US" sz="2000" dirty="0">
+              <a:rPr lang="ko-KR" altLang="en-US" sz="2000" dirty="0" err="1">
                 <a:solidFill>
                   <a:schemeClr val="bg1"/>
                 </a:solidFill>
                 <a:latin typeface="10X10" panose="020D0604000000000000" pitchFamily="50" charset="-127"/>
                 <a:ea typeface="10X10" panose="020D0604000000000000" pitchFamily="50" charset="-127"/>
               </a:rPr>
-              <a:t>모의고사</a:t>
-            </a:r>
+              <a:t>타겟넘버</a:t>
+            </a:r>
+            <a:endParaRPr lang="ko-KR" altLang="en-US" sz="2000" dirty="0">
+              <a:solidFill>
+                <a:schemeClr val="bg1"/>
+              </a:solidFill>
+              <a:latin typeface="10X10" panose="020D0604000000000000" pitchFamily="50" charset="-127"/>
+              <a:ea typeface="10X10" panose="020D0604000000000000" pitchFamily="50" charset="-127"/>
+            </a:endParaRPr>
           </a:p>
         </p:txBody>
       </p:sp>
@@ -5587,6 +5594,21 @@
 </file>
 
 <file path=customXml/item1.xml><?xml version="1.0" encoding="utf-8"?>
+<p:properties xmlns:p="http://schemas.microsoft.com/office/2006/metadata/properties" xmlns:xsi="http://www.w3.org/2001/XMLSchema-instance" xmlns:pc="http://schemas.microsoft.com/office/infopath/2007/PartnerControls">
+  <documentManagement/>
+</p:properties>
+</file>
+
+<file path=customXml/item2.xml><?xml version="1.0" encoding="utf-8"?>
+<?mso-contentType ?>
+<FormTemplates xmlns="http://schemas.microsoft.com/sharepoint/v3/contenttype/forms">
+  <Display>DocumentLibraryForm</Display>
+  <Edit>DocumentLibraryForm</Edit>
+  <New>DocumentLibraryForm</New>
+</FormTemplates>
+</file>
+
+<file path=customXml/item3.xml><?xml version="1.0" encoding="utf-8"?>
 <ct:contentTypeSchema xmlns:ct="http://schemas.microsoft.com/office/2006/metadata/contentType" xmlns:ma="http://schemas.microsoft.com/office/2006/metadata/properties/metaAttributes" ct:_="" ma:_="" ma:contentTypeName="문서" ma:contentTypeID="0x010100783B089471E19D499A794BD6281B8337" ma:contentTypeVersion="2" ma:contentTypeDescription="새 문서를 만듭니다." ma:contentTypeScope="" ma:versionID="b6a9b00f96d9581263930572465e4cca">
   <xsd:schema xmlns:xsd="http://www.w3.org/2001/XMLSchema" xmlns:xs="http://www.w3.org/2001/XMLSchema" xmlns:p="http://schemas.microsoft.com/office/2006/metadata/properties" xmlns:ns3="72237e5d-b00b-4582-bffc-c4905ae74025" targetNamespace="http://schemas.microsoft.com/office/2006/metadata/properties" ma:root="true" ma:fieldsID="c961ed26f7be2a665dc9bd45855c86cb" ns3:_="">
     <xsd:import namespace="72237e5d-b00b-4582-bffc-c4905ae74025"/>
@@ -5718,22 +5740,31 @@
 </ct:contentTypeSchema>
 </file>
 
-<file path=customXml/item2.xml><?xml version="1.0" encoding="utf-8"?>
-<?mso-contentType ?>
-<FormTemplates xmlns="http://schemas.microsoft.com/sharepoint/v3/contenttype/forms">
-  <Display>DocumentLibraryForm</Display>
-  <Edit>DocumentLibraryForm</Edit>
-  <New>DocumentLibraryForm</New>
-</FormTemplates>
+<file path=customXml/itemProps1.xml><?xml version="1.0" encoding="utf-8"?>
+<ds:datastoreItem xmlns:ds="http://schemas.openxmlformats.org/officeDocument/2006/customXml" ds:itemID="{6F1DFEA9-437C-472F-84B5-7554FFCB9B96}">
+  <ds:schemaRefs>
+    <ds:schemaRef ds:uri="http://schemas.microsoft.com/office/2006/documentManagement/types"/>
+    <ds:schemaRef ds:uri="http://purl.org/dc/terms/"/>
+    <ds:schemaRef ds:uri="http://schemas.openxmlformats.org/package/2006/metadata/core-properties"/>
+    <ds:schemaRef ds:uri="http://purl.org/dc/dcmitype/"/>
+    <ds:schemaRef ds:uri="http://schemas.microsoft.com/office/infopath/2007/PartnerControls"/>
+    <ds:schemaRef ds:uri="http://purl.org/dc/elements/1.1/"/>
+    <ds:schemaRef ds:uri="http://schemas.microsoft.com/office/2006/metadata/properties"/>
+    <ds:schemaRef ds:uri="72237e5d-b00b-4582-bffc-c4905ae74025"/>
+    <ds:schemaRef ds:uri="http://www.w3.org/XML/1998/namespace"/>
+  </ds:schemaRefs>
+</ds:datastoreItem>
 </file>
 
-<file path=customXml/item3.xml><?xml version="1.0" encoding="utf-8"?>
-<p:properties xmlns:p="http://schemas.microsoft.com/office/2006/metadata/properties" xmlns:xsi="http://www.w3.org/2001/XMLSchema-instance" xmlns:pc="http://schemas.microsoft.com/office/infopath/2007/PartnerControls">
-  <documentManagement/>
-</p:properties>
+<file path=customXml/itemProps2.xml><?xml version="1.0" encoding="utf-8"?>
+<ds:datastoreItem xmlns:ds="http://schemas.openxmlformats.org/officeDocument/2006/customXml" ds:itemID="{FA139A32-F1EC-4D0C-A125-6D6294855C72}">
+  <ds:schemaRefs>
+    <ds:schemaRef ds:uri="http://schemas.microsoft.com/sharepoint/v3/contenttype/forms"/>
+  </ds:schemaRefs>
+</ds:datastoreItem>
 </file>
 
-<file path=customXml/itemProps1.xml><?xml version="1.0" encoding="utf-8"?>
+<file path=customXml/itemProps3.xml><?xml version="1.0" encoding="utf-8"?>
 <ds:datastoreItem xmlns:ds="http://schemas.openxmlformats.org/officeDocument/2006/customXml" ds:itemID="{60AEC1F0-4D5F-4524-8221-E88FBE880D62}">
   <ds:schemaRefs>
     <ds:schemaRef ds:uri="http://schemas.microsoft.com/office/2006/metadata/contentType"/>
@@ -5749,28 +5780,4 @@
     <ds:schemaRef ds:uri="http://schemas.microsoft.com/internal/obd"/>
   </ds:schemaRefs>
 </ds:datastoreItem>
-</file>
-
-<file path=customXml/itemProps2.xml><?xml version="1.0" encoding="utf-8"?>
-<ds:datastoreItem xmlns:ds="http://schemas.openxmlformats.org/officeDocument/2006/customXml" ds:itemID="{FA139A32-F1EC-4D0C-A125-6D6294855C72}">
-  <ds:schemaRefs>
-    <ds:schemaRef ds:uri="http://schemas.microsoft.com/sharepoint/v3/contenttype/forms"/>
-  </ds:schemaRefs>
-</ds:datastoreItem>
-</file>
-
-<file path=customXml/itemProps3.xml><?xml version="1.0" encoding="utf-8"?>
-<ds:datastoreItem xmlns:ds="http://schemas.openxmlformats.org/officeDocument/2006/customXml" ds:itemID="{6F1DFEA9-437C-472F-84B5-7554FFCB9B96}">
-  <ds:schemaRefs>
-    <ds:schemaRef ds:uri="http://schemas.microsoft.com/office/2006/documentManagement/types"/>
-    <ds:schemaRef ds:uri="http://purl.org/dc/terms/"/>
-    <ds:schemaRef ds:uri="http://schemas.openxmlformats.org/package/2006/metadata/core-properties"/>
-    <ds:schemaRef ds:uri="http://purl.org/dc/dcmitype/"/>
-    <ds:schemaRef ds:uri="http://schemas.microsoft.com/office/infopath/2007/PartnerControls"/>
-    <ds:schemaRef ds:uri="http://purl.org/dc/elements/1.1/"/>
-    <ds:schemaRef ds:uri="http://schemas.microsoft.com/office/2006/metadata/properties"/>
-    <ds:schemaRef ds:uri="72237e5d-b00b-4582-bffc-c4905ae74025"/>
-    <ds:schemaRef ds:uri="http://www.w3.org/XML/1998/namespace"/>
-  </ds:schemaRefs>
-</ds:datastoreItem>
 </file>